--- a/master/Modern Industry Practice/Phase2/组员ppt/ljn_EMG.pptx
+++ b/master/Modern Industry Practice/Phase2/组员ppt/ljn_EMG.pptx
@@ -795,7 +795,31 @@
             </a:pPr>
             <a:r>
               <a:rPr lang="en-GB" altLang="zh-CN" dirty="0"/>
-              <a:t>The overall goal of this system is to first solve the employment problem of people with disabilities in the third world to reduce inequality, increase food production by controlling drone irrigation to reduce hunger, and provide better health testing and higher-end employment for people with disabilities. post.</a:t>
+              <a:t>The overall goal of </a:t>
+            </a:r>
+            <a:r>
+              <a:rPr lang="zh-CN" altLang="en-US" dirty="0"/>
+              <a:t>（按）</a:t>
+            </a:r>
+            <a:r>
+              <a:rPr lang="en-GB" altLang="zh-CN" dirty="0"/>
+              <a:t>this system is to first solve the employment problem of people with disabilities in the third world to reduce inequality, </a:t>
+            </a:r>
+            <a:r>
+              <a:rPr lang="zh-CN" altLang="en-US" dirty="0"/>
+              <a:t>（按）</a:t>
+            </a:r>
+            <a:r>
+              <a:rPr lang="en-GB" altLang="zh-CN" dirty="0"/>
+              <a:t>increase food production by controlling drone irrigation to reduce hunger, </a:t>
+            </a:r>
+            <a:r>
+              <a:rPr lang="zh-CN" altLang="en-US" dirty="0"/>
+              <a:t>（按）</a:t>
+            </a:r>
+            <a:r>
+              <a:rPr lang="en-GB" altLang="zh-CN" dirty="0"/>
+              <a:t>and provide better health testing and higher-end employment for people with disabilities.</a:t>
             </a:r>
             <a:endParaRPr lang="zh-CN" altLang="en-US" dirty="0"/>
           </a:p>
@@ -971,7 +995,87 @@
                 <a:effectLst/>
                 <a:latin typeface="Söhne"/>
               </a:rPr>
-              <a:t>"Alright, let me break down </a:t>
+              <a:t>Next, let’s first explain the following functions that the entire system wants to achieve. This diagram is similar to the system’s Overall Block Diagram principle. First, EMG receives human muscle signals. EMG amplifies the signals and then transmits the signals to the computer through </a:t>
+            </a:r>
+            <a:r>
+              <a:rPr lang="en-GB" altLang="zh-CN" sz="2800" b="0" i="0" dirty="0" err="1">
+                <a:solidFill>
+                  <a:srgbClr val="0D0D0D"/>
+                </a:solidFill>
+                <a:effectLst/>
+                <a:latin typeface="Söhne"/>
+              </a:rPr>
+              <a:t>WiFi</a:t>
+            </a:r>
+            <a:r>
+              <a:rPr lang="en-GB" altLang="zh-CN" sz="2800" b="0" i="0" dirty="0">
+                <a:solidFill>
+                  <a:srgbClr val="0D0D0D"/>
+                </a:solidFill>
+                <a:effectLst/>
+                <a:latin typeface="Söhne"/>
+              </a:rPr>
+              <a:t>. The computer uses </a:t>
+            </a:r>
+            <a:r>
+              <a:rPr lang="en-GB" altLang="zh-CN" sz="2800" b="0" i="0" dirty="0" err="1">
+                <a:solidFill>
+                  <a:srgbClr val="0D0D0D"/>
+                </a:solidFill>
+                <a:effectLst/>
+                <a:latin typeface="Söhne"/>
+              </a:rPr>
+              <a:t>matlab</a:t>
+            </a:r>
+            <a:r>
+              <a:rPr lang="en-GB" altLang="zh-CN" sz="2800" b="0" i="0" dirty="0">
+                <a:solidFill>
+                  <a:srgbClr val="0D0D0D"/>
+                </a:solidFill>
+                <a:effectLst/>
+                <a:latin typeface="Söhne"/>
+              </a:rPr>
+              <a:t> Process and identify the body status information, and then upload the electromyographic signal to the cloud server through the network. The cloud server transmits it to the </a:t>
+            </a:r>
+            <a:r>
+              <a:rPr lang="en-GB" altLang="zh-CN" sz="2800" b="0" i="0" dirty="0" err="1">
+                <a:solidFill>
+                  <a:srgbClr val="0D0D0D"/>
+                </a:solidFill>
+                <a:effectLst/>
+                <a:latin typeface="Söhne"/>
+              </a:rPr>
+              <a:t>irrgation</a:t>
+            </a:r>
+            <a:r>
+              <a:rPr lang="en-GB" altLang="zh-CN" sz="2800" b="0" i="0" dirty="0">
+                <a:solidFill>
+                  <a:srgbClr val="0D0D0D"/>
+                </a:solidFill>
+                <a:effectLst/>
+                <a:latin typeface="Söhne"/>
+              </a:rPr>
+              <a:t> UAV and detect UAV through the </a:t>
+            </a:r>
+            <a:r>
+              <a:rPr lang="en-GB" altLang="zh-CN" sz="2800" b="0" i="0" dirty="0" err="1">
+                <a:solidFill>
+                  <a:srgbClr val="0D0D0D"/>
+                </a:solidFill>
+                <a:effectLst/>
+                <a:latin typeface="Söhne"/>
+              </a:rPr>
+              <a:t>mqtt</a:t>
+            </a:r>
+            <a:r>
+              <a:rPr lang="en-GB" altLang="zh-CN" sz="2800" b="0" i="0" dirty="0">
+                <a:solidFill>
+                  <a:srgbClr val="0D0D0D"/>
+                </a:solidFill>
+                <a:effectLst/>
+                <a:latin typeface="Söhne"/>
+              </a:rPr>
+              <a:t> protocol to realize drone irrigation. This is just a rough look at the system</a:t>
             </a:r>
             <a:r>
               <a:rPr lang="en-US" altLang="zh-CN" sz="2800" b="0" i="0" dirty="0">
@@ -981,71 +1085,15 @@
                 <a:effectLst/>
                 <a:latin typeface="Söhne"/>
               </a:rPr>
-              <a:t>What’s the function of the System</a:t>
+              <a:t>.</a:t>
             </a:r>
-            <a:r>
-              <a:rPr lang="en-GB" altLang="zh-CN" sz="2800" b="0" i="0" dirty="0">
-                <a:solidFill>
-                  <a:srgbClr val="0D0D0D"/>
-                </a:solidFill>
-                <a:effectLst/>
-                <a:latin typeface="Söhne"/>
-              </a:rPr>
-              <a:t>. So, we've got these muscle sensors picking up signals, right? They shoot those signals over to our server. Once the server does its thing—processing and all—it sends commands to our </a:t>
-            </a:r>
-            <a:r>
-              <a:rPr lang="en-GB" altLang="zh-CN" sz="2800" b="0" i="0" dirty="0" err="1">
-                <a:solidFill>
-                  <a:srgbClr val="0D0D0D"/>
-                </a:solidFill>
-                <a:effectLst/>
-                <a:latin typeface="Söhne"/>
-              </a:rPr>
-              <a:t>UAVs.Now</a:t>
-            </a:r>
-            <a:r>
-              <a:rPr lang="en-GB" altLang="zh-CN" sz="2800" b="0" i="0" dirty="0">
-                <a:solidFill>
-                  <a:srgbClr val="0D0D0D"/>
-                </a:solidFill>
-                <a:effectLst/>
-                <a:latin typeface="Söhne"/>
-              </a:rPr>
-              <a:t>, we've got two types of these flying buddies: the 'Detect UAV' and the 'Irrigation UAV.' The Detect UAV scouts around, gathers data, and sends it back to the server. Then, the server tells the Irrigation UAV to start watering based on that data.</a:t>
-            </a:r>
-          </a:p>
-          <a:p>
-            <a:pPr algn="l"/>
-            <a:r>
-              <a:rPr lang="en-GB" altLang="zh-CN" sz="2800" b="0" i="0" dirty="0">
-                <a:solidFill>
-                  <a:srgbClr val="0D0D0D"/>
-                </a:solidFill>
-                <a:effectLst/>
-                <a:latin typeface="Söhne"/>
-              </a:rPr>
-              <a:t>According to the </a:t>
-            </a:r>
-            <a:r>
-              <a:rPr lang="en-GB" altLang="zh-CN" sz="2800" b="0" i="0" dirty="0" err="1">
-                <a:solidFill>
-                  <a:srgbClr val="0D0D0D"/>
-                </a:solidFill>
-                <a:effectLst/>
-                <a:latin typeface="Söhne"/>
-              </a:rPr>
-              <a:t>Overal</a:t>
-            </a:r>
-            <a:r>
-              <a:rPr lang="en-GB" altLang="zh-CN" sz="2800" b="0" i="0" dirty="0">
-                <a:solidFill>
-                  <a:srgbClr val="0D0D0D"/>
-                </a:solidFill>
-                <a:effectLst/>
-                <a:latin typeface="Söhne"/>
-              </a:rPr>
-              <a:t> Block Diagram: on one side, you've got the drone area, where all the action goes down. On the other, there's our central hub connected to the server. The muscle sensor sends signals to the server, which then directs the UAVs. Simple as that—signals in, commands out, and the job gets done."</a:t>
-            </a:r>
+            <a:endParaRPr lang="en-GB" altLang="zh-CN" sz="2800" b="0" i="0" dirty="0">
+              <a:solidFill>
+                <a:srgbClr val="0D0D0D"/>
+              </a:solidFill>
+              <a:effectLst/>
+              <a:latin typeface="Söhne"/>
+            </a:endParaRPr>
           </a:p>
         </p:txBody>
       </p:sp>
@@ -12385,7 +12433,7 @@
         <p:spPr>
           <a:xfrm>
             <a:off x="1802347" y="5566423"/>
-            <a:ext cx="1580933" cy="369332"/>
+            <a:ext cx="2259855" cy="369332"/>
           </a:xfrm>
           <a:prstGeom prst="rect">
             <a:avLst/>
@@ -17452,7 +17500,7 @@
         </p:blipFill>
         <p:spPr>
           <a:xfrm>
-            <a:off x="175471" y="2652053"/>
+            <a:off x="266072" y="2364546"/>
             <a:ext cx="5547908" cy="2654545"/>
           </a:xfrm>
           <a:prstGeom prst="rect">
@@ -18095,7 +18143,7 @@
           <a:p>
             <a:r>
               <a:rPr lang="en-US" altLang="zh-CN" sz="1600" dirty="0"/>
-              <a:t>Source: </a:t>
+              <a:t>Source:;: </a:t>
             </a:r>
             <a:r>
               <a:rPr lang="en-US" altLang="zh-CN" sz="1600" dirty="0" err="1"/>
